--- a/src/com/javaex/practice/메모리맵.pptx
+++ b/src/com/javaex/practice/메모리맵.pptx
@@ -2,7 +2,7 @@
 <file path=ppt/presentation.xml><?xml version="1.0" encoding="utf-8"?>
 <p:presentation xmlns:r="http://schemas.openxmlformats.org/officeDocument/2006/relationships" xmlns:c="http://schemas.openxmlformats.org/drawingml/2006/chart" xmlns:a="http://schemas.openxmlformats.org/drawingml/2006/main" xmlns:dgm="http://schemas.openxmlformats.org/drawingml/2006/diagram" xmlns:dsp="http://schemas.microsoft.com/office/drawing/2008/diagram" xmlns:p="http://schemas.openxmlformats.org/presentationml/2006/main" saveSubsetFonts="1">
   <p:sldMasterIdLst>
-    <p:sldMasterId id="2147483752" r:id="rId1"/>
+    <p:sldMasterId id="2147483718" r:id="rId1"/>
   </p:sldMasterIdLst>
   <p:notesMasterIdLst>
     <p:notesMasterId r:id="rId2"/>
@@ -212,7 +212,7 @@
               <a:pPr lvl="0">
                 <a:defRPr/>
               </a:pPr>
-              <a:t>2021-05-31</a:t>
+              <a:t>2021-06-01</a:t>
             </a:fld>
             <a:endParaRPr lang="ko-KR" altLang="en-US"/>
           </a:p>
@@ -4050,7 +4050,7 @@
         </p:nvGraphicFramePr>
         <p:xfrm>
           <a:off x="4065986" y="5333619"/>
-          <a:ext cx="6764337" cy="1256538"/>
+          <a:ext cx="6764335" cy="1256538"/>
         </p:xfrm>
         <a:graphic>
           <a:graphicData uri="http://schemas.openxmlformats.org/drawingml/2006/table">
@@ -4246,7 +4246,7 @@
             </a:pPr>
             <a:r>
               <a:rPr lang="en-US" altLang="ko-KR"/>
-              <a:t>OX32</a:t>
+              <a:t>0X32</a:t>
             </a:r>
             <a:endParaRPr lang="en-US" altLang="ko-KR"/>
           </a:p>
@@ -4680,7 +4680,7 @@
         </p:nvGraphicFramePr>
         <p:xfrm>
           <a:off x="4065986" y="5333619"/>
-          <a:ext cx="4058602" cy="1256538"/>
+          <a:ext cx="4058601" cy="1256538"/>
         </p:xfrm>
         <a:graphic>
           <a:graphicData uri="http://schemas.openxmlformats.org/drawingml/2006/table">
@@ -4814,7 +4814,7 @@
             </a:pPr>
             <a:r>
               <a:rPr lang="en-US" altLang="ko-KR"/>
-              <a:t>OX32</a:t>
+              <a:t>0X32</a:t>
             </a:r>
             <a:endParaRPr lang="en-US" altLang="ko-KR"/>
           </a:p>
@@ -5100,7 +5100,7 @@
         </p:nvGraphicFramePr>
         <p:xfrm>
           <a:off x="2986564" y="5412296"/>
-          <a:ext cx="3109436" cy="969072"/>
+          <a:ext cx="3109434" cy="969072"/>
         </p:xfrm>
         <a:graphic>
           <a:graphicData uri="http://schemas.openxmlformats.org/drawingml/2006/table">
@@ -5234,7 +5234,7 @@
             </a:pPr>
             <a:r>
               <a:rPr lang="en-US" altLang="ko-KR"/>
-              <a:t>OX32</a:t>
+              <a:t>0X32</a:t>
             </a:r>
             <a:endParaRPr lang="en-US" altLang="ko-KR"/>
           </a:p>
@@ -5850,7 +5850,7 @@
         </p:nvGraphicFramePr>
         <p:xfrm>
           <a:off x="7523130" y="5412296"/>
-          <a:ext cx="3109436" cy="969072"/>
+          <a:ext cx="3109434" cy="969072"/>
         </p:xfrm>
         <a:graphic>
           <a:graphicData uri="http://schemas.openxmlformats.org/drawingml/2006/table">
@@ -6029,7 +6029,7 @@
             </a:pPr>
             <a:r>
               <a:rPr lang="en-US" altLang="ko-KR"/>
-              <a:t>OX32</a:t>
+              <a:t>0X32</a:t>
             </a:r>
             <a:endParaRPr lang="en-US" altLang="ko-KR"/>
           </a:p>
@@ -6196,7 +6196,7 @@
         </p:nvGraphicFramePr>
         <p:xfrm>
           <a:off x="2129789" y="5556314"/>
-          <a:ext cx="9366635" cy="681037"/>
+          <a:ext cx="9366630" cy="681037"/>
         </p:xfrm>
         <a:graphic>
           <a:graphicData uri="http://schemas.openxmlformats.org/drawingml/2006/table">
@@ -7543,7 +7543,7 @@
             </a:pPr>
             <a:r>
               <a:rPr lang="en-US" altLang="ko-KR"/>
-              <a:t>OX32</a:t>
+              <a:t>0X32</a:t>
             </a:r>
             <a:endParaRPr lang="en-US" altLang="ko-KR"/>
           </a:p>
@@ -7592,7 +7592,7 @@
         </p:nvGraphicFramePr>
         <p:xfrm>
           <a:off x="4088153" y="5412296"/>
-          <a:ext cx="4015694" cy="888682"/>
+          <a:ext cx="4015690" cy="888682"/>
         </p:xfrm>
         <a:graphic>
           <a:graphicData uri="http://schemas.openxmlformats.org/drawingml/2006/table">
@@ -8082,7 +8082,7 @@
                   <a:schemeClr val="tx1"/>
                 </a:solidFill>
               </a:rPr>
-              <a:t>OX32</a:t>
+              <a:t>0X32</a:t>
             </a:r>
             <a:endParaRPr lang="en-US" altLang="ko-KR" sz="2600">
               <a:solidFill>
@@ -8151,7 +8151,7 @@
             </a:pPr>
             <a:r>
               <a:rPr lang="en-US" altLang="ko-KR"/>
-              <a:t>OX32</a:t>
+              <a:t>0X32</a:t>
             </a:r>
             <a:endParaRPr lang="en-US" altLang="ko-KR"/>
           </a:p>
@@ -8418,7 +8418,7 @@
         </p:nvGraphicFramePr>
         <p:xfrm>
           <a:off x="1986153" y="4777168"/>
-          <a:ext cx="9987153" cy="637413"/>
+          <a:ext cx="9987152" cy="637413"/>
         </p:xfrm>
         <a:graphic>
           <a:graphicData uri="http://schemas.openxmlformats.org/drawingml/2006/table">
@@ -9844,7 +9844,7 @@
         </p:nvGraphicFramePr>
         <p:xfrm>
           <a:off x="1986152" y="5949315"/>
-          <a:ext cx="9987153" cy="637413"/>
+          <a:ext cx="9987152" cy="637413"/>
         </p:xfrm>
         <a:graphic>
           <a:graphicData uri="http://schemas.openxmlformats.org/drawingml/2006/table">
@@ -10426,7 +10426,7 @@
             </a:pPr>
             <a:r>
               <a:rPr lang="en-US" altLang="ko-KR"/>
-              <a:t>OX32</a:t>
+              <a:t>0X32</a:t>
             </a:r>
             <a:endParaRPr lang="en-US" altLang="ko-KR"/>
           </a:p>
@@ -10823,7 +10823,7 @@
         </p:nvGraphicFramePr>
         <p:xfrm>
           <a:off x="1022347" y="5353240"/>
-          <a:ext cx="5439218" cy="452057"/>
+          <a:ext cx="5439209" cy="452057"/>
         </p:xfrm>
         <a:graphic>
           <a:graphicData uri="http://schemas.openxmlformats.org/drawingml/2006/table">
@@ -12282,7 +12282,7 @@
         </p:nvGraphicFramePr>
         <p:xfrm>
           <a:off x="6514973" y="5353240"/>
-          <a:ext cx="5439218" cy="452057"/>
+          <a:ext cx="5439209" cy="452057"/>
         </p:xfrm>
         <a:graphic>
           <a:graphicData uri="http://schemas.openxmlformats.org/drawingml/2006/table">
@@ -12554,7 +12554,7 @@
             </a:pPr>
             <a:r>
               <a:rPr lang="en-US" altLang="ko-KR"/>
-              <a:t>OX32</a:t>
+              <a:t>0X32</a:t>
             </a:r>
             <a:endParaRPr lang="en-US" altLang="ko-KR"/>
           </a:p>
@@ -12586,7 +12586,7 @@
             </a:pPr>
             <a:r>
               <a:rPr lang="en-US" altLang="ko-KR"/>
-              <a:t>OX32</a:t>
+              <a:t>0X32</a:t>
             </a:r>
             <a:endParaRPr lang="en-US" altLang="ko-KR"/>
           </a:p>
@@ -12618,7 +12618,7 @@
             </a:pPr>
             <a:r>
               <a:rPr lang="en-US" altLang="ko-KR"/>
-              <a:t>OX33</a:t>
+              <a:t>0X33</a:t>
             </a:r>
             <a:endParaRPr lang="en-US" altLang="ko-KR"/>
           </a:p>
@@ -12650,7 +12650,7 @@
             </a:pPr>
             <a:r>
               <a:rPr lang="en-US" altLang="ko-KR"/>
-              <a:t>OX32</a:t>
+              <a:t>0X32</a:t>
             </a:r>
             <a:endParaRPr lang="en-US" altLang="ko-KR"/>
           </a:p>
@@ -13560,7 +13560,7 @@
         </p:nvGraphicFramePr>
         <p:xfrm>
           <a:off x="1775460" y="5196840"/>
-          <a:ext cx="8117205" cy="1256538"/>
+          <a:ext cx="8117202" cy="1256538"/>
         </p:xfrm>
         <a:graphic>
           <a:graphicData uri="http://schemas.openxmlformats.org/drawingml/2006/table">
@@ -13740,7 +13740,7 @@
             </a:pPr>
             <a:r>
               <a:rPr lang="en-US" altLang="ko-KR"/>
-              <a:t>OX32</a:t>
+              <a:t>0X32</a:t>
             </a:r>
             <a:endParaRPr lang="en-US" altLang="ko-KR"/>
           </a:p>
@@ -13793,7 +13793,7 @@
                   <a:schemeClr val="tx1"/>
                 </a:solidFill>
               </a:rPr>
-              <a:t>OX32</a:t>
+              <a:t>0X32</a:t>
             </a:r>
             <a:endParaRPr lang="en-US" altLang="ko-KR" sz="2600">
               <a:solidFill>
